--- a/Presentation Template - Task 1.pptx
+++ b/Presentation Template - Task 1.pptx
@@ -125,7 +125,7 @@
 <file path=ppt/revisionInfo.xml><?xml version="1.0" encoding="utf-8"?>
 <p1510:revInfo xmlns:a="http://schemas.openxmlformats.org/drawingml/2006/main" xmlns:r="http://schemas.openxmlformats.org/officeDocument/2006/relationships" xmlns:p1510="http://schemas.microsoft.com/office/powerpoint/2015/10/main">
   <p1510:revLst>
-    <p1510:client id="{9460CEEB-E108-4049-97A8-D02251DF6D61}" v="13" dt="2023-04-11T23:01:23.701"/>
+    <p1510:client id="{9460CEEB-E108-4049-97A8-D02251DF6D61}" v="14" dt="2023-04-11T23:46:48.349"/>
   </p1510:revLst>
 </p1510:revInfo>
 </file>
@@ -135,12 +135,12 @@
   <pc:docChgLst>
     <pc:chgData name="Ashish Shinde" userId="f652c16f6558dc77" providerId="LiveId" clId="{9460CEEB-E108-4049-97A8-D02251DF6D61}"/>
     <pc:docChg chg="undo redo custSel addSld delSld modSld">
-      <pc:chgData name="Ashish Shinde" userId="f652c16f6558dc77" providerId="LiveId" clId="{9460CEEB-E108-4049-97A8-D02251DF6D61}" dt="2023-04-11T23:44:16.134" v="3034" actId="20577"/>
+      <pc:chgData name="Ashish Shinde" userId="f652c16f6558dc77" providerId="LiveId" clId="{9460CEEB-E108-4049-97A8-D02251DF6D61}" dt="2023-04-11T23:46:48.282" v="3051" actId="20577"/>
       <pc:docMkLst>
         <pc:docMk/>
       </pc:docMkLst>
       <pc:sldChg chg="modSp mod">
-        <pc:chgData name="Ashish Shinde" userId="f652c16f6558dc77" providerId="LiveId" clId="{9460CEEB-E108-4049-97A8-D02251DF6D61}" dt="2023-04-11T23:44:16.134" v="3034" actId="20577"/>
+        <pc:chgData name="Ashish Shinde" userId="f652c16f6558dc77" providerId="LiveId" clId="{9460CEEB-E108-4049-97A8-D02251DF6D61}" dt="2023-04-11T23:46:48.282" v="3051" actId="20577"/>
         <pc:sldMkLst>
           <pc:docMk/>
           <pc:sldMk cId="1492306933" sldId="256"/>
@@ -154,7 +154,7 @@
           </ac:spMkLst>
         </pc:spChg>
         <pc:spChg chg="mod">
-          <ac:chgData name="Ashish Shinde" userId="f652c16f6558dc77" providerId="LiveId" clId="{9460CEEB-E108-4049-97A8-D02251DF6D61}" dt="2023-04-11T23:44:16.134" v="3034" actId="20577"/>
+          <ac:chgData name="Ashish Shinde" userId="f652c16f6558dc77" providerId="LiveId" clId="{9460CEEB-E108-4049-97A8-D02251DF6D61}" dt="2023-04-11T23:46:48.282" v="3051" actId="20577"/>
           <ac:spMkLst>
             <pc:docMk/>
             <pc:sldMk cId="1492306933" sldId="256"/>
@@ -4511,7 +4511,7 @@
         <p:spPr/>
         <p:txBody>
           <a:bodyPr>
-            <a:normAutofit lnSpcReduction="10000"/>
+            <a:normAutofit fontScale="77500" lnSpcReduction="20000"/>
           </a:bodyPr>
           <a:lstStyle/>
           <a:p>
@@ -4529,12 +4529,19 @@
           <a:p>
             <a:r>
               <a:rPr lang="en-US" dirty="0"/>
-              <a:t>By </a:t>
-            </a:r>
-            <a:r>
-              <a:rPr lang="en-US"/>
-              <a:t>Ashish Shinde</a:t>
-            </a:r>
+              <a:t>By Ashish Shinde</a:t>
+            </a:r>
+          </a:p>
+          <a:p>
+            <a:r>
+              <a:rPr lang="en-GB">
+                <a:hlinkClick r:id="rId2"/>
+              </a:rPr>
+              <a:t>https://github.com/AshishShinde03/BritishAirwaysProject.git</a:t>
+            </a:r>
+            <a:endParaRPr lang="en-GB"/>
+          </a:p>
+          <a:p>
             <a:endParaRPr lang="en-GB" dirty="0"/>
           </a:p>
         </p:txBody>
